--- a/What should I drink.pptx
+++ b/What should I drink.pptx
@@ -1360,8 +1360,13 @@
           <a:p>
             <a:r>
               <a:rPr lang="en-US" dirty="0"/>
-              <a:t>Compares the words in each review to other reviews to determine how similar they are to each other</a:t>
-            </a:r>
+              <a:t>Compares the words in each review to other reviews to determine how similar they are to each other to generate a </a:t>
+            </a:r>
+            <a:r>
+              <a:rPr lang="en-US"/>
+              <a:t>flavor profile</a:t>
+            </a:r>
+            <a:endParaRPr lang="en-US" dirty="0"/>
           </a:p>
         </p:txBody>
       </p:sp>

--- a/What should I drink.pptx
+++ b/What should I drink.pptx
@@ -5,7 +5,7 @@
     <p:sldMasterId id="2147483698" r:id="rId1"/>
   </p:sldMasterIdLst>
   <p:notesMasterIdLst>
-    <p:notesMasterId r:id="rId12"/>
+    <p:notesMasterId r:id="rId14"/>
   </p:notesMasterIdLst>
   <p:sldIdLst>
     <p:sldId id="256" r:id="rId2"/>
@@ -13,11 +13,13 @@
     <p:sldId id="258" r:id="rId4"/>
     <p:sldId id="262" r:id="rId5"/>
     <p:sldId id="263" r:id="rId6"/>
-    <p:sldId id="261" r:id="rId7"/>
-    <p:sldId id="266" r:id="rId8"/>
-    <p:sldId id="265" r:id="rId9"/>
-    <p:sldId id="259" r:id="rId10"/>
-    <p:sldId id="267" r:id="rId11"/>
+    <p:sldId id="269" r:id="rId7"/>
+    <p:sldId id="261" r:id="rId8"/>
+    <p:sldId id="266" r:id="rId9"/>
+    <p:sldId id="265" r:id="rId10"/>
+    <p:sldId id="268" r:id="rId11"/>
+    <p:sldId id="259" r:id="rId12"/>
+    <p:sldId id="267" r:id="rId13"/>
   </p:sldIdLst>
   <p:sldSz cx="12192000" cy="6858000"/>
   <p:notesSz cx="6858000" cy="9144000"/>
@@ -206,7 +208,7 @@
           <a:p>
             <a:fld id="{C3DFE862-E356-47E2-9925-25115A494BAC}" type="datetimeFigureOut">
               <a:rPr lang="en-US" smtClean="0"/>
-              <a:t>4/9/2018</a:t>
+              <a:t>4/10/2018</a:t>
             </a:fld>
             <a:endParaRPr lang="en-US"/>
           </a:p>
@@ -1002,7 +1004,7 @@
           <a:p>
             <a:fld id="{4081430E-BEE8-4E4A-A7AA-E5303B6BB6C6}" type="slidenum">
               <a:rPr lang="en-US" smtClean="0"/>
-              <a:t>6</a:t>
+              <a:t>7</a:t>
             </a:fld>
             <a:endParaRPr lang="en-US"/>
           </a:p>
@@ -1184,7 +1186,7 @@
           <a:p>
             <a:fld id="{4081430E-BEE8-4E4A-A7AA-E5303B6BB6C6}" type="slidenum">
               <a:rPr lang="en-US" smtClean="0"/>
-              <a:t>7</a:t>
+              <a:t>8</a:t>
             </a:fld>
             <a:endParaRPr lang="en-US"/>
           </a:p>
@@ -1295,7 +1297,7 @@
           <a:p>
             <a:fld id="{4081430E-BEE8-4E4A-A7AA-E5303B6BB6C6}" type="slidenum">
               <a:rPr lang="en-US" smtClean="0"/>
-              <a:t>8</a:t>
+              <a:t>9</a:t>
             </a:fld>
             <a:endParaRPr lang="en-US"/>
           </a:p>
@@ -1360,13 +1362,20 @@
           <a:p>
             <a:r>
               <a:rPr lang="en-US" dirty="0"/>
-              <a:t>Compares the words in each review to other reviews to determine how similar they are to each other to generate a </a:t>
-            </a:r>
-            <a:r>
-              <a:rPr lang="en-US"/>
-              <a:t>flavor profile</a:t>
-            </a:r>
-            <a:endParaRPr lang="en-US" dirty="0"/>
+              <a:t>P – palate</a:t>
+            </a:r>
+          </a:p>
+          <a:p>
+            <a:r>
+              <a:rPr lang="en-US" dirty="0"/>
+              <a:t>N – nose</a:t>
+            </a:r>
+          </a:p>
+          <a:p>
+            <a:r>
+              <a:rPr lang="en-US" dirty="0"/>
+              <a:t>F – finish</a:t>
+            </a:r>
           </a:p>
         </p:txBody>
       </p:sp>
@@ -1387,7 +1396,94 @@
           <a:p>
             <a:fld id="{4081430E-BEE8-4E4A-A7AA-E5303B6BB6C6}" type="slidenum">
               <a:rPr lang="en-US" smtClean="0"/>
-              <a:t>9</a:t>
+              <a:t>10</a:t>
+            </a:fld>
+            <a:endParaRPr lang="en-US"/>
+          </a:p>
+        </p:txBody>
+      </p:sp>
+    </p:spTree>
+    <p:extLst>
+      <p:ext uri="{BB962C8B-B14F-4D97-AF65-F5344CB8AC3E}">
+        <p14:creationId xmlns:p14="http://schemas.microsoft.com/office/powerpoint/2010/main" val="1753867975"/>
+      </p:ext>
+    </p:extLst>
+  </p:cSld>
+  <p:clrMapOvr>
+    <a:masterClrMapping/>
+  </p:clrMapOvr>
+</p:notes>
+</file>
+
+<file path=ppt/notesSlides/notesSlide9.xml><?xml version="1.0" encoding="utf-8"?>
+<p:notes xmlns:a="http://schemas.openxmlformats.org/drawingml/2006/main" xmlns:r="http://schemas.openxmlformats.org/officeDocument/2006/relationships" xmlns:p="http://schemas.openxmlformats.org/presentationml/2006/main">
+  <p:cSld>
+    <p:spTree>
+      <p:nvGrpSpPr>
+        <p:cNvPr id="1" name=""/>
+        <p:cNvGrpSpPr/>
+        <p:nvPr/>
+      </p:nvGrpSpPr>
+      <p:grpSpPr>
+        <a:xfrm>
+          <a:off x="0" y="0"/>
+          <a:ext cx="0" cy="0"/>
+          <a:chOff x="0" y="0"/>
+          <a:chExt cx="0" cy="0"/>
+        </a:xfrm>
+      </p:grpSpPr>
+      <p:sp>
+        <p:nvSpPr>
+          <p:cNvPr id="2" name="Slide Image Placeholder 1"/>
+          <p:cNvSpPr>
+            <a:spLocks noGrp="1" noRot="1" noChangeAspect="1"/>
+          </p:cNvSpPr>
+          <p:nvPr>
+            <p:ph type="sldImg"/>
+          </p:nvPr>
+        </p:nvSpPr>
+        <p:spPr/>
+      </p:sp>
+      <p:sp>
+        <p:nvSpPr>
+          <p:cNvPr id="3" name="Notes Placeholder 2"/>
+          <p:cNvSpPr>
+            <a:spLocks noGrp="1"/>
+          </p:cNvSpPr>
+          <p:nvPr>
+            <p:ph type="body" idx="1"/>
+          </p:nvPr>
+        </p:nvSpPr>
+        <p:spPr/>
+        <p:txBody>
+          <a:bodyPr/>
+          <a:lstStyle/>
+          <a:p>
+            <a:r>
+              <a:rPr lang="en-US" dirty="0"/>
+              <a:t>Generates a profile for each alcohol based on the reviews then compares the profiles to find what is most similar</a:t>
+            </a:r>
+          </a:p>
+        </p:txBody>
+      </p:sp>
+      <p:sp>
+        <p:nvSpPr>
+          <p:cNvPr id="4" name="Slide Number Placeholder 3"/>
+          <p:cNvSpPr>
+            <a:spLocks noGrp="1"/>
+          </p:cNvSpPr>
+          <p:nvPr>
+            <p:ph type="sldNum" sz="quarter" idx="10"/>
+          </p:nvPr>
+        </p:nvSpPr>
+        <p:spPr/>
+        <p:txBody>
+          <a:bodyPr/>
+          <a:lstStyle/>
+          <a:p>
+            <a:fld id="{4081430E-BEE8-4E4A-A7AA-E5303B6BB6C6}" type="slidenum">
+              <a:rPr lang="en-US" smtClean="0"/>
+              <a:t>11</a:t>
             </a:fld>
             <a:endParaRPr lang="en-US"/>
           </a:p>
@@ -1603,7 +1699,7 @@
             <a:fld id="{B61BEF0D-F0BB-DE4B-95CE-6DB70DBA9567}" type="datetimeFigureOut">
               <a:rPr lang="en-US" smtClean="0"/>
               <a:pPr/>
-              <a:t>4/9/2018</a:t>
+              <a:t>4/10/2018</a:t>
             </a:fld>
             <a:endParaRPr lang="en-US" dirty="0"/>
           </a:p>
@@ -1829,7 +1925,7 @@
             <a:fld id="{B61BEF0D-F0BB-DE4B-95CE-6DB70DBA9567}" type="datetimeFigureOut">
               <a:rPr lang="en-US" smtClean="0"/>
               <a:pPr/>
-              <a:t>4/9/2018</a:t>
+              <a:t>4/10/2018</a:t>
             </a:fld>
             <a:endParaRPr lang="en-US" dirty="0"/>
           </a:p>
@@ -2011,7 +2107,7 @@
             <a:fld id="{B61BEF0D-F0BB-DE4B-95CE-6DB70DBA9567}" type="datetimeFigureOut">
               <a:rPr lang="en-US" smtClean="0"/>
               <a:pPr/>
-              <a:t>4/9/2018</a:t>
+              <a:t>4/10/2018</a:t>
             </a:fld>
             <a:endParaRPr lang="en-US" dirty="0"/>
           </a:p>
@@ -2183,7 +2279,7 @@
             <a:fld id="{B61BEF0D-F0BB-DE4B-95CE-6DB70DBA9567}" type="datetimeFigureOut">
               <a:rPr lang="en-US" smtClean="0"/>
               <a:pPr/>
-              <a:t>4/9/2018</a:t>
+              <a:t>4/10/2018</a:t>
             </a:fld>
             <a:endParaRPr lang="en-US" dirty="0"/>
           </a:p>
@@ -2476,7 +2572,7 @@
             <a:fld id="{B61BEF0D-F0BB-DE4B-95CE-6DB70DBA9567}" type="datetimeFigureOut">
               <a:rPr lang="en-US" smtClean="0"/>
               <a:pPr/>
-              <a:t>4/9/2018</a:t>
+              <a:t>4/10/2018</a:t>
             </a:fld>
             <a:endParaRPr lang="en-US" dirty="0"/>
           </a:p>
@@ -2804,7 +2900,7 @@
             <a:fld id="{B61BEF0D-F0BB-DE4B-95CE-6DB70DBA9567}" type="datetimeFigureOut">
               <a:rPr lang="en-US" smtClean="0"/>
               <a:pPr/>
-              <a:t>4/9/2018</a:t>
+              <a:t>4/10/2018</a:t>
             </a:fld>
             <a:endParaRPr lang="en-US" dirty="0"/>
           </a:p>
@@ -3218,7 +3314,7 @@
             <a:fld id="{B61BEF0D-F0BB-DE4B-95CE-6DB70DBA9567}" type="datetimeFigureOut">
               <a:rPr lang="en-US" smtClean="0"/>
               <a:pPr/>
-              <a:t>4/9/2018</a:t>
+              <a:t>4/10/2018</a:t>
             </a:fld>
             <a:endParaRPr lang="en-US" dirty="0"/>
           </a:p>
@@ -3338,7 +3434,7 @@
             <a:fld id="{B61BEF0D-F0BB-DE4B-95CE-6DB70DBA9567}" type="datetimeFigureOut">
               <a:rPr lang="en-US" smtClean="0"/>
               <a:pPr/>
-              <a:t>4/9/2018</a:t>
+              <a:t>4/10/2018</a:t>
             </a:fld>
             <a:endParaRPr lang="en-US" dirty="0"/>
           </a:p>
@@ -3435,7 +3531,7 @@
             <a:fld id="{B61BEF0D-F0BB-DE4B-95CE-6DB70DBA9567}" type="datetimeFigureOut">
               <a:rPr lang="en-US" smtClean="0"/>
               <a:pPr/>
-              <a:t>4/9/2018</a:t>
+              <a:t>4/10/2018</a:t>
             </a:fld>
             <a:endParaRPr lang="en-US" dirty="0"/>
           </a:p>
@@ -3724,7 +3820,7 @@
             <a:fld id="{B61BEF0D-F0BB-DE4B-95CE-6DB70DBA9567}" type="datetimeFigureOut">
               <a:rPr lang="en-US" smtClean="0"/>
               <a:pPr/>
-              <a:t>4/9/2018</a:t>
+              <a:t>4/10/2018</a:t>
             </a:fld>
             <a:endParaRPr lang="en-US" dirty="0"/>
           </a:p>
@@ -4003,7 +4099,7 @@
             <a:fld id="{B61BEF0D-F0BB-DE4B-95CE-6DB70DBA9567}" type="datetimeFigureOut">
               <a:rPr lang="en-US" smtClean="0"/>
               <a:pPr/>
-              <a:t>4/9/2018</a:t>
+              <a:t>4/10/2018</a:t>
             </a:fld>
             <a:endParaRPr lang="en-US" dirty="0"/>
           </a:p>
@@ -4256,7 +4352,7 @@
             <a:fld id="{B61BEF0D-F0BB-DE4B-95CE-6DB70DBA9567}" type="datetimeFigureOut">
               <a:rPr lang="en-US" smtClean="0"/>
               <a:pPr/>
-              <a:t>4/9/2018</a:t>
+              <a:t>4/10/2018</a:t>
             </a:fld>
             <a:endParaRPr lang="en-US" dirty="0"/>
           </a:p>
@@ -4809,6 +4905,222 @@
 </file>
 
 <file path=ppt/slides/slide10.xml><?xml version="1.0" encoding="utf-8"?>
+<p:sld xmlns:a="http://schemas.openxmlformats.org/drawingml/2006/main" xmlns:r="http://schemas.openxmlformats.org/officeDocument/2006/relationships" xmlns:p="http://schemas.openxmlformats.org/presentationml/2006/main">
+  <p:cSld>
+    <p:spTree>
+      <p:nvGrpSpPr>
+        <p:cNvPr id="1" name=""/>
+        <p:cNvGrpSpPr/>
+        <p:nvPr/>
+      </p:nvGrpSpPr>
+      <p:grpSpPr>
+        <a:xfrm>
+          <a:off x="0" y="0"/>
+          <a:ext cx="0" cy="0"/>
+          <a:chOff x="0" y="0"/>
+          <a:chExt cx="0" cy="0"/>
+        </a:xfrm>
+      </p:grpSpPr>
+      <p:pic>
+        <p:nvPicPr>
+          <p:cNvPr id="4" name="Picture 3">
+            <a:extLst>
+              <a:ext uri="{FF2B5EF4-FFF2-40B4-BE49-F238E27FC236}">
+                <a16:creationId xmlns:a16="http://schemas.microsoft.com/office/drawing/2014/main" id="{D019DA5E-8A65-4B9A-9402-0FA02AD55102}"/>
+              </a:ext>
+            </a:extLst>
+          </p:cNvPr>
+          <p:cNvPicPr>
+            <a:picLocks noChangeAspect="1"/>
+          </p:cNvPicPr>
+          <p:nvPr/>
+        </p:nvPicPr>
+        <p:blipFill rotWithShape="1">
+          <a:blip r:embed="rId3"/>
+          <a:srcRect l="1248" t="10860"/>
+          <a:stretch/>
+        </p:blipFill>
+        <p:spPr>
+          <a:xfrm>
+            <a:off x="281353" y="445476"/>
+            <a:ext cx="11659760" cy="914401"/>
+          </a:xfrm>
+          <a:prstGeom prst="rect">
+            <a:avLst/>
+          </a:prstGeom>
+        </p:spPr>
+      </p:pic>
+      <p:pic>
+        <p:nvPicPr>
+          <p:cNvPr id="5" name="Picture 4">
+            <a:extLst>
+              <a:ext uri="{FF2B5EF4-FFF2-40B4-BE49-F238E27FC236}">
+                <a16:creationId xmlns:a16="http://schemas.microsoft.com/office/drawing/2014/main" id="{04C1FA1B-CF51-42D1-8AB5-F25F9BF102AE}"/>
+              </a:ext>
+            </a:extLst>
+          </p:cNvPr>
+          <p:cNvPicPr>
+            <a:picLocks noChangeAspect="1"/>
+          </p:cNvPicPr>
+          <p:nvPr/>
+        </p:nvPicPr>
+        <p:blipFill>
+          <a:blip r:embed="rId4"/>
+          <a:stretch>
+            <a:fillRect/>
+          </a:stretch>
+        </p:blipFill>
+        <p:spPr>
+          <a:xfrm>
+            <a:off x="281353" y="1657164"/>
+            <a:ext cx="11659760" cy="1807263"/>
+          </a:xfrm>
+          <a:prstGeom prst="rect">
+            <a:avLst/>
+          </a:prstGeom>
+        </p:spPr>
+      </p:pic>
+      <p:pic>
+        <p:nvPicPr>
+          <p:cNvPr id="6" name="Picture 5">
+            <a:extLst>
+              <a:ext uri="{FF2B5EF4-FFF2-40B4-BE49-F238E27FC236}">
+                <a16:creationId xmlns:a16="http://schemas.microsoft.com/office/drawing/2014/main" id="{61398E3F-63C8-48B8-B4CA-107BA5D10716}"/>
+              </a:ext>
+            </a:extLst>
+          </p:cNvPr>
+          <p:cNvPicPr>
+            <a:picLocks noChangeAspect="1"/>
+          </p:cNvPicPr>
+          <p:nvPr/>
+        </p:nvPicPr>
+        <p:blipFill>
+          <a:blip r:embed="rId5"/>
+          <a:stretch>
+            <a:fillRect/>
+          </a:stretch>
+        </p:blipFill>
+        <p:spPr>
+          <a:xfrm>
+            <a:off x="281353" y="3761714"/>
+            <a:ext cx="11659760" cy="2910154"/>
+          </a:xfrm>
+          <a:prstGeom prst="rect">
+            <a:avLst/>
+          </a:prstGeom>
+        </p:spPr>
+      </p:pic>
+    </p:spTree>
+    <p:extLst>
+      <p:ext uri="{BB962C8B-B14F-4D97-AF65-F5344CB8AC3E}">
+        <p14:creationId xmlns:p14="http://schemas.microsoft.com/office/powerpoint/2010/main" val="4057023649"/>
+      </p:ext>
+    </p:extLst>
+  </p:cSld>
+  <p:clrMapOvr>
+    <a:masterClrMapping/>
+  </p:clrMapOvr>
+</p:sld>
+</file>
+
+<file path=ppt/slides/slide11.xml><?xml version="1.0" encoding="utf-8"?>
+<p:sld xmlns:a="http://schemas.openxmlformats.org/drawingml/2006/main" xmlns:r="http://schemas.openxmlformats.org/officeDocument/2006/relationships" xmlns:p="http://schemas.openxmlformats.org/presentationml/2006/main">
+  <p:cSld>
+    <p:spTree>
+      <p:nvGrpSpPr>
+        <p:cNvPr id="1" name=""/>
+        <p:cNvGrpSpPr/>
+        <p:nvPr/>
+      </p:nvGrpSpPr>
+      <p:grpSpPr>
+        <a:xfrm>
+          <a:off x="0" y="0"/>
+          <a:ext cx="0" cy="0"/>
+          <a:chOff x="0" y="0"/>
+          <a:chExt cx="0" cy="0"/>
+        </a:xfrm>
+      </p:grpSpPr>
+      <p:sp>
+        <p:nvSpPr>
+          <p:cNvPr id="2" name="Title 1">
+            <a:extLst>
+              <a:ext uri="{FF2B5EF4-FFF2-40B4-BE49-F238E27FC236}">
+                <a16:creationId xmlns:a16="http://schemas.microsoft.com/office/drawing/2014/main" id="{34BA94DD-E6D4-4060-979E-D7D323B941D1}"/>
+              </a:ext>
+            </a:extLst>
+          </p:cNvPr>
+          <p:cNvSpPr>
+            <a:spLocks noGrp="1"/>
+          </p:cNvSpPr>
+          <p:nvPr>
+            <p:ph type="title"/>
+          </p:nvPr>
+        </p:nvSpPr>
+        <p:spPr/>
+        <p:txBody>
+          <a:bodyPr/>
+          <a:lstStyle/>
+          <a:p>
+            <a:r>
+              <a:rPr lang="en-US" dirty="0"/>
+              <a:t>The Recommender</a:t>
+            </a:r>
+          </a:p>
+        </p:txBody>
+      </p:sp>
+      <p:sp>
+        <p:nvSpPr>
+          <p:cNvPr id="3" name="Content Placeholder 2">
+            <a:extLst>
+              <a:ext uri="{FF2B5EF4-FFF2-40B4-BE49-F238E27FC236}">
+                <a16:creationId xmlns:a16="http://schemas.microsoft.com/office/drawing/2014/main" id="{0BE07596-7E71-400D-BF08-51C837F3A2D4}"/>
+              </a:ext>
+            </a:extLst>
+          </p:cNvPr>
+          <p:cNvSpPr>
+            <a:spLocks noGrp="1"/>
+          </p:cNvSpPr>
+          <p:nvPr>
+            <p:ph idx="1"/>
+          </p:nvPr>
+        </p:nvSpPr>
+        <p:spPr/>
+        <p:txBody>
+          <a:bodyPr>
+            <a:normAutofit/>
+          </a:bodyPr>
+          <a:lstStyle/>
+          <a:p>
+            <a:r>
+              <a:rPr lang="en-US" sz="4000" dirty="0"/>
+              <a:t>Review Comparison</a:t>
+            </a:r>
+          </a:p>
+          <a:p>
+            <a:r>
+              <a:rPr lang="en-US" sz="4000" dirty="0">
+                <a:hlinkClick r:id="rId3"/>
+              </a:rPr>
+              <a:t>www.whatshouldidrink.xyz</a:t>
+            </a:r>
+            <a:endParaRPr lang="en-US" sz="4000" dirty="0"/>
+          </a:p>
+        </p:txBody>
+      </p:sp>
+    </p:spTree>
+    <p:extLst>
+      <p:ext uri="{BB962C8B-B14F-4D97-AF65-F5344CB8AC3E}">
+        <p14:creationId xmlns:p14="http://schemas.microsoft.com/office/powerpoint/2010/main" val="1983851564"/>
+      </p:ext>
+    </p:extLst>
+  </p:cSld>
+  <p:clrMapOvr>
+    <a:masterClrMapping/>
+  </p:clrMapOvr>
+</p:sld>
+</file>
+
+<file path=ppt/slides/slide12.xml><?xml version="1.0" encoding="utf-8"?>
 <p:sld xmlns:a="http://schemas.openxmlformats.org/drawingml/2006/main" xmlns:r="http://schemas.openxmlformats.org/officeDocument/2006/relationships" xmlns:p="http://schemas.openxmlformats.org/presentationml/2006/main">
   <p:cSld>
     <p:spTree>
@@ -5974,6 +6286,126 @@
           <a:chExt cx="0" cy="0"/>
         </a:xfrm>
       </p:grpSpPr>
+      <p:pic>
+        <p:nvPicPr>
+          <p:cNvPr id="4" name="Picture 3">
+            <a:extLst>
+              <a:ext uri="{FF2B5EF4-FFF2-40B4-BE49-F238E27FC236}">
+                <a16:creationId xmlns:a16="http://schemas.microsoft.com/office/drawing/2014/main" id="{B55B3B15-9B85-45EC-AAFF-9A4B60A77755}"/>
+              </a:ext>
+            </a:extLst>
+          </p:cNvPr>
+          <p:cNvPicPr>
+            <a:picLocks noChangeAspect="1"/>
+          </p:cNvPicPr>
+          <p:nvPr/>
+        </p:nvPicPr>
+        <p:blipFill>
+          <a:blip r:embed="rId2"/>
+          <a:stretch>
+            <a:fillRect/>
+          </a:stretch>
+        </p:blipFill>
+        <p:spPr>
+          <a:xfrm>
+            <a:off x="334473" y="304799"/>
+            <a:ext cx="11326201" cy="621323"/>
+          </a:xfrm>
+          <a:prstGeom prst="rect">
+            <a:avLst/>
+          </a:prstGeom>
+        </p:spPr>
+      </p:pic>
+      <p:pic>
+        <p:nvPicPr>
+          <p:cNvPr id="5" name="Picture 4">
+            <a:extLst>
+              <a:ext uri="{FF2B5EF4-FFF2-40B4-BE49-F238E27FC236}">
+                <a16:creationId xmlns:a16="http://schemas.microsoft.com/office/drawing/2014/main" id="{A061F74E-A8D5-41BF-8E8D-A0EF16BCC8B7}"/>
+              </a:ext>
+            </a:extLst>
+          </p:cNvPr>
+          <p:cNvPicPr>
+            <a:picLocks noChangeAspect="1"/>
+          </p:cNvPicPr>
+          <p:nvPr/>
+        </p:nvPicPr>
+        <p:blipFill>
+          <a:blip r:embed="rId3"/>
+          <a:stretch>
+            <a:fillRect/>
+          </a:stretch>
+        </p:blipFill>
+        <p:spPr>
+          <a:xfrm>
+            <a:off x="334473" y="1097206"/>
+            <a:ext cx="11326201" cy="4733146"/>
+          </a:xfrm>
+          <a:prstGeom prst="rect">
+            <a:avLst/>
+          </a:prstGeom>
+        </p:spPr>
+      </p:pic>
+      <p:pic>
+        <p:nvPicPr>
+          <p:cNvPr id="6" name="Picture 5">
+            <a:extLst>
+              <a:ext uri="{FF2B5EF4-FFF2-40B4-BE49-F238E27FC236}">
+                <a16:creationId xmlns:a16="http://schemas.microsoft.com/office/drawing/2014/main" id="{335A6883-98D1-4127-8F31-598A9912D9E1}"/>
+              </a:ext>
+            </a:extLst>
+          </p:cNvPr>
+          <p:cNvPicPr>
+            <a:picLocks noChangeAspect="1"/>
+          </p:cNvPicPr>
+          <p:nvPr/>
+        </p:nvPicPr>
+        <p:blipFill>
+          <a:blip r:embed="rId4"/>
+          <a:stretch>
+            <a:fillRect/>
+          </a:stretch>
+        </p:blipFill>
+        <p:spPr>
+          <a:xfrm>
+            <a:off x="334473" y="6036604"/>
+            <a:ext cx="11326201" cy="693699"/>
+          </a:xfrm>
+          <a:prstGeom prst="rect">
+            <a:avLst/>
+          </a:prstGeom>
+        </p:spPr>
+      </p:pic>
+    </p:spTree>
+    <p:extLst>
+      <p:ext uri="{BB962C8B-B14F-4D97-AF65-F5344CB8AC3E}">
+        <p14:creationId xmlns:p14="http://schemas.microsoft.com/office/powerpoint/2010/main" val="367678709"/>
+      </p:ext>
+    </p:extLst>
+  </p:cSld>
+  <p:clrMapOvr>
+    <a:masterClrMapping/>
+  </p:clrMapOvr>
+</p:sld>
+</file>
+
+<file path=ppt/slides/slide7.xml><?xml version="1.0" encoding="utf-8"?>
+<p:sld xmlns:a="http://schemas.openxmlformats.org/drawingml/2006/main" xmlns:r="http://schemas.openxmlformats.org/officeDocument/2006/relationships" xmlns:p="http://schemas.openxmlformats.org/presentationml/2006/main">
+  <p:cSld>
+    <p:spTree>
+      <p:nvGrpSpPr>
+        <p:cNvPr id="1" name=""/>
+        <p:cNvGrpSpPr/>
+        <p:nvPr/>
+      </p:nvGrpSpPr>
+      <p:grpSpPr>
+        <a:xfrm>
+          <a:off x="0" y="0"/>
+          <a:ext cx="0" cy="0"/>
+          <a:chOff x="0" y="0"/>
+          <a:chExt cx="0" cy="0"/>
+        </a:xfrm>
+      </p:grpSpPr>
       <p:sp>
         <p:nvSpPr>
           <p:cNvPr id="2" name="Title 1">
@@ -6296,7 +6728,7 @@
 </p:sld>
 </file>
 
-<file path=ppt/slides/slide7.xml><?xml version="1.0" encoding="utf-8"?>
+<file path=ppt/slides/slide8.xml><?xml version="1.0" encoding="utf-8"?>
 <p:sld xmlns:a="http://schemas.openxmlformats.org/drawingml/2006/main" xmlns:r="http://schemas.openxmlformats.org/officeDocument/2006/relationships" xmlns:p="http://schemas.openxmlformats.org/presentationml/2006/main">
   <p:cSld>
     <p:spTree>
@@ -6355,7 +6787,7 @@
 </p:sld>
 </file>
 
-<file path=ppt/slides/slide8.xml><?xml version="1.0" encoding="utf-8"?>
+<file path=ppt/slides/slide9.xml><?xml version="1.0" encoding="utf-8"?>
 <p:sld xmlns:a="http://schemas.openxmlformats.org/drawingml/2006/main" xmlns:r="http://schemas.openxmlformats.org/officeDocument/2006/relationships" xmlns:p="http://schemas.openxmlformats.org/presentationml/2006/main">
   <p:cSld>
     <p:spTree>
@@ -6404,103 +6836,6 @@
     <p:extLst>
       <p:ext uri="{BB962C8B-B14F-4D97-AF65-F5344CB8AC3E}">
         <p14:creationId xmlns:p14="http://schemas.microsoft.com/office/powerpoint/2010/main" val="2977761871"/>
-      </p:ext>
-    </p:extLst>
-  </p:cSld>
-  <p:clrMapOvr>
-    <a:masterClrMapping/>
-  </p:clrMapOvr>
-</p:sld>
-</file>
-
-<file path=ppt/slides/slide9.xml><?xml version="1.0" encoding="utf-8"?>
-<p:sld xmlns:a="http://schemas.openxmlformats.org/drawingml/2006/main" xmlns:r="http://schemas.openxmlformats.org/officeDocument/2006/relationships" xmlns:p="http://schemas.openxmlformats.org/presentationml/2006/main">
-  <p:cSld>
-    <p:spTree>
-      <p:nvGrpSpPr>
-        <p:cNvPr id="1" name=""/>
-        <p:cNvGrpSpPr/>
-        <p:nvPr/>
-      </p:nvGrpSpPr>
-      <p:grpSpPr>
-        <a:xfrm>
-          <a:off x="0" y="0"/>
-          <a:ext cx="0" cy="0"/>
-          <a:chOff x="0" y="0"/>
-          <a:chExt cx="0" cy="0"/>
-        </a:xfrm>
-      </p:grpSpPr>
-      <p:sp>
-        <p:nvSpPr>
-          <p:cNvPr id="2" name="Title 1">
-            <a:extLst>
-              <a:ext uri="{FF2B5EF4-FFF2-40B4-BE49-F238E27FC236}">
-                <a16:creationId xmlns:a16="http://schemas.microsoft.com/office/drawing/2014/main" id="{34BA94DD-E6D4-4060-979E-D7D323B941D1}"/>
-              </a:ext>
-            </a:extLst>
-          </p:cNvPr>
-          <p:cNvSpPr>
-            <a:spLocks noGrp="1"/>
-          </p:cNvSpPr>
-          <p:nvPr>
-            <p:ph type="title"/>
-          </p:nvPr>
-        </p:nvSpPr>
-        <p:spPr/>
-        <p:txBody>
-          <a:bodyPr/>
-          <a:lstStyle/>
-          <a:p>
-            <a:r>
-              <a:rPr lang="en-US" dirty="0"/>
-              <a:t>The Recommender</a:t>
-            </a:r>
-          </a:p>
-        </p:txBody>
-      </p:sp>
-      <p:sp>
-        <p:nvSpPr>
-          <p:cNvPr id="3" name="Content Placeholder 2">
-            <a:extLst>
-              <a:ext uri="{FF2B5EF4-FFF2-40B4-BE49-F238E27FC236}">
-                <a16:creationId xmlns:a16="http://schemas.microsoft.com/office/drawing/2014/main" id="{0BE07596-7E71-400D-BF08-51C837F3A2D4}"/>
-              </a:ext>
-            </a:extLst>
-          </p:cNvPr>
-          <p:cNvSpPr>
-            <a:spLocks noGrp="1"/>
-          </p:cNvSpPr>
-          <p:nvPr>
-            <p:ph idx="1"/>
-          </p:nvPr>
-        </p:nvSpPr>
-        <p:spPr/>
-        <p:txBody>
-          <a:bodyPr>
-            <a:normAutofit/>
-          </a:bodyPr>
-          <a:lstStyle/>
-          <a:p>
-            <a:r>
-              <a:rPr lang="en-US" sz="4000" dirty="0"/>
-              <a:t>Review Comparison</a:t>
-            </a:r>
-          </a:p>
-          <a:p>
-            <a:r>
-              <a:rPr lang="en-US" sz="4000" dirty="0">
-                <a:hlinkClick r:id="rId3"/>
-              </a:rPr>
-              <a:t>www.whatshouldidrink.xyz</a:t>
-            </a:r>
-            <a:endParaRPr lang="en-US" sz="4000" dirty="0"/>
-          </a:p>
-        </p:txBody>
-      </p:sp>
-    </p:spTree>
-    <p:extLst>
-      <p:ext uri="{BB962C8B-B14F-4D97-AF65-F5344CB8AC3E}">
-        <p14:creationId xmlns:p14="http://schemas.microsoft.com/office/powerpoint/2010/main" val="1983851564"/>
       </p:ext>
     </p:extLst>
   </p:cSld>
